--- a/writing-work/Vorpräsentation_fertigIGuess.pptx
+++ b/writing-work/Vorpräsentation_fertigIGuess.pptx
@@ -13,8 +13,8 @@
     <p:sldId id="265" r:id="rId7"/>
     <p:sldId id="264" r:id="rId8"/>
     <p:sldId id="258" r:id="rId9"/>
-    <p:sldId id="260" r:id="rId10"/>
-    <p:sldId id="259" r:id="rId11"/>
+    <p:sldId id="259" r:id="rId10"/>
+    <p:sldId id="260" r:id="rId11"/>
   </p:sldIdLst>
   <p:sldSz cx="12192000" cy="6858000"/>
   <p:notesSz cx="6858000" cy="9144000"/>
@@ -130,6 +130,1627 @@
 </p1510:revInfo>
 </file>
 
+<file path=ppt/charts/chart1.xml><?xml version="1.0" encoding="utf-8"?>
+<c:chartSpace xmlns:c="http://schemas.openxmlformats.org/drawingml/2006/chart" xmlns:a="http://schemas.openxmlformats.org/drawingml/2006/main" xmlns:r="http://schemas.openxmlformats.org/officeDocument/2006/relationships" xmlns:c16r2="http://schemas.microsoft.com/office/drawing/2015/06/chart">
+  <c:date1904 val="0"/>
+  <c:lang val="de-DE"/>
+  <c:roundedCorners val="0"/>
+  <mc:AlternateContent xmlns:mc="http://schemas.openxmlformats.org/markup-compatibility/2006">
+    <mc:Choice xmlns:c14="http://schemas.microsoft.com/office/drawing/2007/8/2/chart" Requires="c14">
+      <c14:style val="106"/>
+    </mc:Choice>
+    <mc:Fallback>
+      <c:style val="6"/>
+    </mc:Fallback>
+  </mc:AlternateContent>
+  <c:chart>
+    <c:title>
+      <c:overlay val="0"/>
+      <c:spPr>
+        <a:noFill/>
+        <a:ln>
+          <a:noFill/>
+        </a:ln>
+        <a:effectLst/>
+      </c:spPr>
+      <c:txPr>
+        <a:bodyPr rot="0" spcFirstLastPara="1" vertOverflow="ellipsis" vert="horz" wrap="square" anchor="ctr" anchorCtr="1"/>
+        <a:lstStyle/>
+        <a:p>
+          <a:pPr>
+            <a:defRPr sz="1862" b="0" i="0" u="none" strike="noStrike" kern="1200" spc="0" baseline="0">
+              <a:solidFill>
+                <a:schemeClr val="tx1">
+                  <a:lumMod val="65000"/>
+                  <a:lumOff val="35000"/>
+                </a:schemeClr>
+              </a:solidFill>
+              <a:latin typeface="+mn-lt"/>
+              <a:ea typeface="+mn-ea"/>
+              <a:cs typeface="+mn-cs"/>
+            </a:defRPr>
+          </a:pPr>
+          <a:endParaRPr lang="de-DE"/>
+        </a:p>
+      </c:txPr>
+    </c:title>
+    <c:autoTitleDeleted val="0"/>
+    <c:plotArea>
+      <c:layout/>
+      <c:pieChart>
+        <c:varyColors val="1"/>
+        <c:ser>
+          <c:idx val="0"/>
+          <c:order val="0"/>
+          <c:tx>
+            <c:strRef>
+              <c:f>Tabelle1!$B$1</c:f>
+              <c:strCache>
+                <c:ptCount val="1"/>
+                <c:pt idx="0">
+                  <c:v>Stundenaufteilung</c:v>
+                </c:pt>
+              </c:strCache>
+            </c:strRef>
+          </c:tx>
+          <c:dPt>
+            <c:idx val="0"/>
+            <c:bubble3D val="0"/>
+            <c:spPr>
+              <a:solidFill>
+                <a:schemeClr val="accent4">
+                  <a:tint val="77000"/>
+                </a:schemeClr>
+              </a:solidFill>
+              <a:ln w="19050">
+                <a:solidFill>
+                  <a:schemeClr val="lt1"/>
+                </a:solidFill>
+              </a:ln>
+              <a:effectLst/>
+            </c:spPr>
+          </c:dPt>
+          <c:dPt>
+            <c:idx val="1"/>
+            <c:bubble3D val="0"/>
+            <c:spPr>
+              <a:solidFill>
+                <a:schemeClr val="accent4">
+                  <a:shade val="76000"/>
+                </a:schemeClr>
+              </a:solidFill>
+              <a:ln w="19050">
+                <a:solidFill>
+                  <a:schemeClr val="lt1"/>
+                </a:solidFill>
+              </a:ln>
+              <a:effectLst/>
+            </c:spPr>
+          </c:dPt>
+          <c:cat>
+            <c:strRef>
+              <c:f>Tabelle1!$A$2:$A$3</c:f>
+              <c:strCache>
+                <c:ptCount val="2"/>
+                <c:pt idx="0">
+                  <c:v>Tobias</c:v>
+                </c:pt>
+                <c:pt idx="1">
+                  <c:v>Paul</c:v>
+                </c:pt>
+              </c:strCache>
+            </c:strRef>
+          </c:cat>
+          <c:val>
+            <c:numRef>
+              <c:f>Tabelle1!$B$2:$B$3</c:f>
+              <c:numCache>
+                <c:formatCode>General</c:formatCode>
+                <c:ptCount val="2"/>
+                <c:pt idx="0">
+                  <c:v>290</c:v>
+                </c:pt>
+                <c:pt idx="1">
+                  <c:v>215</c:v>
+                </c:pt>
+              </c:numCache>
+            </c:numRef>
+          </c:val>
+          <c:extLst>
+            <c:ext xmlns:c16="http://schemas.microsoft.com/office/drawing/2014/chart" uri="{C3380CC4-5D6E-409C-BE32-E72D297353CC}">
+              <c16:uniqueId val="{00000000-EA09-49C5-BE64-AAF4AFCAA306}"/>
+            </c:ext>
+          </c:extLst>
+        </c:ser>
+        <c:dLbls>
+          <c:showLegendKey val="0"/>
+          <c:showVal val="0"/>
+          <c:showCatName val="0"/>
+          <c:showSerName val="0"/>
+          <c:showPercent val="0"/>
+          <c:showBubbleSize val="0"/>
+          <c:showLeaderLines val="1"/>
+        </c:dLbls>
+        <c:firstSliceAng val="0"/>
+      </c:pieChart>
+      <c:spPr>
+        <a:noFill/>
+        <a:ln>
+          <a:noFill/>
+        </a:ln>
+        <a:effectLst/>
+      </c:spPr>
+    </c:plotArea>
+    <c:legend>
+      <c:legendPos val="b"/>
+      <c:overlay val="0"/>
+      <c:spPr>
+        <a:noFill/>
+        <a:ln>
+          <a:noFill/>
+        </a:ln>
+        <a:effectLst/>
+      </c:spPr>
+      <c:txPr>
+        <a:bodyPr rot="0" spcFirstLastPara="1" vertOverflow="ellipsis" vert="horz" wrap="square" anchor="ctr" anchorCtr="1"/>
+        <a:lstStyle/>
+        <a:p>
+          <a:pPr>
+            <a:defRPr sz="1197" b="0" i="0" u="none" strike="noStrike" kern="1200" baseline="0">
+              <a:solidFill>
+                <a:schemeClr val="tx1">
+                  <a:lumMod val="65000"/>
+                  <a:lumOff val="35000"/>
+                </a:schemeClr>
+              </a:solidFill>
+              <a:latin typeface="+mn-lt"/>
+              <a:ea typeface="+mn-ea"/>
+              <a:cs typeface="+mn-cs"/>
+            </a:defRPr>
+          </a:pPr>
+          <a:endParaRPr lang="de-DE"/>
+        </a:p>
+      </c:txPr>
+    </c:legend>
+    <c:plotVisOnly val="1"/>
+    <c:dispBlanksAs val="gap"/>
+    <c:extLst>
+      <c:ext xmlns:c16r3="http://schemas.microsoft.com/office/drawing/2017/03/chart" uri="{56B9EC1D-385E-4148-901F-78D8002777C0}">
+        <c16r3:dataDisplayOptions16>
+          <c16r3:dispNaAsBlank val="1"/>
+        </c16r3:dataDisplayOptions16>
+      </c:ext>
+    </c:extLst>
+    <c:showDLblsOverMax val="0"/>
+  </c:chart>
+  <c:spPr>
+    <a:noFill/>
+    <a:ln>
+      <a:noFill/>
+    </a:ln>
+    <a:effectLst/>
+  </c:spPr>
+  <c:txPr>
+    <a:bodyPr/>
+    <a:lstStyle/>
+    <a:p>
+      <a:pPr>
+        <a:defRPr/>
+      </a:pPr>
+      <a:endParaRPr lang="de-DE"/>
+    </a:p>
+  </c:txPr>
+  <c:externalData r:id="rId3">
+    <c:autoUpdate val="0"/>
+  </c:externalData>
+  <c:userShapes r:id="rId4"/>
+</c:chartSpace>
+</file>
+
+<file path=ppt/charts/chart2.xml><?xml version="1.0" encoding="utf-8"?>
+<c:chartSpace xmlns:c="http://schemas.openxmlformats.org/drawingml/2006/chart" xmlns:a="http://schemas.openxmlformats.org/drawingml/2006/main" xmlns:r="http://schemas.openxmlformats.org/officeDocument/2006/relationships" xmlns:c16r2="http://schemas.microsoft.com/office/drawing/2015/06/chart">
+  <c:date1904 val="0"/>
+  <c:lang val="de-DE"/>
+  <c:roundedCorners val="0"/>
+  <mc:AlternateContent xmlns:mc="http://schemas.openxmlformats.org/markup-compatibility/2006">
+    <mc:Choice xmlns:c14="http://schemas.microsoft.com/office/drawing/2007/8/2/chart" Requires="c14">
+      <c14:style val="102"/>
+    </mc:Choice>
+    <mc:Fallback>
+      <c:style val="2"/>
+    </mc:Fallback>
+  </mc:AlternateContent>
+  <c:chart>
+    <c:title>
+      <c:overlay val="0"/>
+      <c:spPr>
+        <a:noFill/>
+        <a:ln>
+          <a:noFill/>
+        </a:ln>
+        <a:effectLst/>
+      </c:spPr>
+      <c:txPr>
+        <a:bodyPr rot="0" spcFirstLastPara="1" vertOverflow="ellipsis" vert="horz" wrap="square" anchor="ctr" anchorCtr="1"/>
+        <a:lstStyle/>
+        <a:p>
+          <a:pPr>
+            <a:defRPr sz="1862" b="0" i="0" u="none" strike="noStrike" kern="1200" spc="0" baseline="0">
+              <a:solidFill>
+                <a:schemeClr val="tx1">
+                  <a:lumMod val="65000"/>
+                  <a:lumOff val="35000"/>
+                </a:schemeClr>
+              </a:solidFill>
+              <a:latin typeface="+mn-lt"/>
+              <a:ea typeface="+mn-ea"/>
+              <a:cs typeface="+mn-cs"/>
+            </a:defRPr>
+          </a:pPr>
+          <a:endParaRPr lang="de-DE"/>
+        </a:p>
+      </c:txPr>
+    </c:title>
+    <c:autoTitleDeleted val="0"/>
+    <c:plotArea>
+      <c:layout/>
+      <c:pieChart>
+        <c:varyColors val="1"/>
+        <c:ser>
+          <c:idx val="0"/>
+          <c:order val="0"/>
+          <c:tx>
+            <c:strRef>
+              <c:f>Tabelle1!$B$1</c:f>
+              <c:strCache>
+                <c:ptCount val="1"/>
+                <c:pt idx="0">
+                  <c:v>Gliederung der Aufgaben</c:v>
+                </c:pt>
+              </c:strCache>
+            </c:strRef>
+          </c:tx>
+          <c:dPt>
+            <c:idx val="0"/>
+            <c:bubble3D val="0"/>
+            <c:spPr>
+              <a:solidFill>
+                <a:schemeClr val="accent1"/>
+              </a:solidFill>
+              <a:ln w="19050">
+                <a:solidFill>
+                  <a:schemeClr val="lt1"/>
+                </a:solidFill>
+              </a:ln>
+              <a:effectLst/>
+            </c:spPr>
+          </c:dPt>
+          <c:dPt>
+            <c:idx val="1"/>
+            <c:bubble3D val="0"/>
+            <c:spPr>
+              <a:solidFill>
+                <a:schemeClr val="accent2"/>
+              </a:solidFill>
+              <a:ln w="19050">
+                <a:solidFill>
+                  <a:schemeClr val="lt1"/>
+                </a:solidFill>
+              </a:ln>
+              <a:effectLst/>
+            </c:spPr>
+          </c:dPt>
+          <c:dPt>
+            <c:idx val="2"/>
+            <c:bubble3D val="0"/>
+            <c:spPr>
+              <a:solidFill>
+                <a:schemeClr val="accent3"/>
+              </a:solidFill>
+              <a:ln w="19050">
+                <a:solidFill>
+                  <a:schemeClr val="lt1"/>
+                </a:solidFill>
+              </a:ln>
+              <a:effectLst/>
+            </c:spPr>
+          </c:dPt>
+          <c:cat>
+            <c:strRef>
+              <c:f>Tabelle1!$A$2:$A$4</c:f>
+              <c:strCache>
+                <c:ptCount val="3"/>
+                <c:pt idx="0">
+                  <c:v>Schriftliche Arbeit</c:v>
+                </c:pt>
+                <c:pt idx="1">
+                  <c:v>Meetings</c:v>
+                </c:pt>
+                <c:pt idx="2">
+                  <c:v>Arbeit an der Diplomarbeit</c:v>
+                </c:pt>
+              </c:strCache>
+            </c:strRef>
+          </c:cat>
+          <c:val>
+            <c:numRef>
+              <c:f>Tabelle1!$B$2:$B$4</c:f>
+              <c:numCache>
+                <c:formatCode>h:mm</c:formatCode>
+                <c:ptCount val="3"/>
+                <c:pt idx="0">
+                  <c:v>0.5</c:v>
+                </c:pt>
+                <c:pt idx="1">
+                  <c:v>0.31944444444444448</c:v>
+                </c:pt>
+                <c:pt idx="2" formatCode="[h]:mm:ss">
+                  <c:v>8.1388888888888893</c:v>
+                </c:pt>
+              </c:numCache>
+            </c:numRef>
+          </c:val>
+          <c:extLst>
+            <c:ext xmlns:c16="http://schemas.microsoft.com/office/drawing/2014/chart" uri="{C3380CC4-5D6E-409C-BE32-E72D297353CC}">
+              <c16:uniqueId val="{00000000-C200-4298-A481-E1184AE5C45B}"/>
+            </c:ext>
+          </c:extLst>
+        </c:ser>
+        <c:dLbls>
+          <c:showLegendKey val="0"/>
+          <c:showVal val="0"/>
+          <c:showCatName val="0"/>
+          <c:showSerName val="0"/>
+          <c:showPercent val="0"/>
+          <c:showBubbleSize val="0"/>
+          <c:showLeaderLines val="1"/>
+        </c:dLbls>
+        <c:firstSliceAng val="0"/>
+      </c:pieChart>
+      <c:spPr>
+        <a:noFill/>
+        <a:ln>
+          <a:noFill/>
+        </a:ln>
+        <a:effectLst/>
+      </c:spPr>
+    </c:plotArea>
+    <c:legend>
+      <c:legendPos val="b"/>
+      <c:overlay val="0"/>
+      <c:spPr>
+        <a:noFill/>
+        <a:ln>
+          <a:noFill/>
+        </a:ln>
+        <a:effectLst/>
+      </c:spPr>
+      <c:txPr>
+        <a:bodyPr rot="0" spcFirstLastPara="1" vertOverflow="ellipsis" vert="horz" wrap="square" anchor="ctr" anchorCtr="1"/>
+        <a:lstStyle/>
+        <a:p>
+          <a:pPr>
+            <a:defRPr sz="1197" b="0" i="0" u="none" strike="noStrike" kern="1200" baseline="0">
+              <a:solidFill>
+                <a:schemeClr val="tx1">
+                  <a:lumMod val="65000"/>
+                  <a:lumOff val="35000"/>
+                </a:schemeClr>
+              </a:solidFill>
+              <a:latin typeface="+mn-lt"/>
+              <a:ea typeface="+mn-ea"/>
+              <a:cs typeface="+mn-cs"/>
+            </a:defRPr>
+          </a:pPr>
+          <a:endParaRPr lang="de-DE"/>
+        </a:p>
+      </c:txPr>
+    </c:legend>
+    <c:plotVisOnly val="1"/>
+    <c:dispBlanksAs val="gap"/>
+    <c:extLst>
+      <c:ext xmlns:c16r3="http://schemas.microsoft.com/office/drawing/2017/03/chart" uri="{56B9EC1D-385E-4148-901F-78D8002777C0}">
+        <c16r3:dataDisplayOptions16>
+          <c16r3:dispNaAsBlank val="1"/>
+        </c16r3:dataDisplayOptions16>
+      </c:ext>
+    </c:extLst>
+    <c:showDLblsOverMax val="0"/>
+  </c:chart>
+  <c:spPr>
+    <a:noFill/>
+    <a:ln>
+      <a:noFill/>
+    </a:ln>
+    <a:effectLst/>
+  </c:spPr>
+  <c:txPr>
+    <a:bodyPr/>
+    <a:lstStyle/>
+    <a:p>
+      <a:pPr>
+        <a:defRPr/>
+      </a:pPr>
+      <a:endParaRPr lang="de-DE"/>
+    </a:p>
+  </c:txPr>
+  <c:externalData r:id="rId3">
+    <c:autoUpdate val="0"/>
+  </c:externalData>
+</c:chartSpace>
+</file>
+
+<file path=ppt/charts/colors1.xml><?xml version="1.0" encoding="utf-8"?>
+<cs:colorStyle xmlns:cs="http://schemas.microsoft.com/office/drawing/2012/chartStyle" xmlns:a="http://schemas.openxmlformats.org/drawingml/2006/main" meth="withinLinearReversed" id="24">
+  <a:schemeClr val="accent4"/>
+</cs:colorStyle>
+</file>
+
+<file path=ppt/charts/colors2.xml><?xml version="1.0" encoding="utf-8"?>
+<cs:colorStyle xmlns:cs="http://schemas.microsoft.com/office/drawing/2012/chartStyle" xmlns:a="http://schemas.openxmlformats.org/drawingml/2006/main" meth="cycle" id="10">
+  <a:schemeClr val="accent1"/>
+  <a:schemeClr val="accent2"/>
+  <a:schemeClr val="accent3"/>
+  <a:schemeClr val="accent4"/>
+  <a:schemeClr val="accent5"/>
+  <a:schemeClr val="accent6"/>
+  <cs:variation/>
+  <cs:variation>
+    <a:lumMod val="60000"/>
+  </cs:variation>
+  <cs:variation>
+    <a:lumMod val="80000"/>
+    <a:lumOff val="20000"/>
+  </cs:variation>
+  <cs:variation>
+    <a:lumMod val="80000"/>
+  </cs:variation>
+  <cs:variation>
+    <a:lumMod val="60000"/>
+    <a:lumOff val="40000"/>
+  </cs:variation>
+  <cs:variation>
+    <a:lumMod val="50000"/>
+  </cs:variation>
+  <cs:variation>
+    <a:lumMod val="70000"/>
+    <a:lumOff val="30000"/>
+  </cs:variation>
+  <cs:variation>
+    <a:lumMod val="70000"/>
+  </cs:variation>
+  <cs:variation>
+    <a:lumMod val="50000"/>
+    <a:lumOff val="50000"/>
+  </cs:variation>
+</cs:colorStyle>
+</file>
+
+<file path=ppt/charts/style1.xml><?xml version="1.0" encoding="utf-8"?>
+<cs:chartStyle xmlns:cs="http://schemas.microsoft.com/office/drawing/2012/chartStyle" xmlns:a="http://schemas.openxmlformats.org/drawingml/2006/main" id="251">
+  <cs:axisTitle>
+    <cs:lnRef idx="0"/>
+    <cs:fillRef idx="0"/>
+    <cs:effectRef idx="0"/>
+    <cs:fontRef idx="minor">
+      <a:schemeClr val="tx1">
+        <a:lumMod val="65000"/>
+        <a:lumOff val="35000"/>
+      </a:schemeClr>
+    </cs:fontRef>
+    <cs:defRPr sz="1330" kern="1200"/>
+  </cs:axisTitle>
+  <cs:categoryAxis>
+    <cs:lnRef idx="0"/>
+    <cs:fillRef idx="0"/>
+    <cs:effectRef idx="0"/>
+    <cs:fontRef idx="minor">
+      <a:schemeClr val="tx1">
+        <a:lumMod val="65000"/>
+        <a:lumOff val="35000"/>
+      </a:schemeClr>
+    </cs:fontRef>
+    <cs:spPr>
+      <a:ln w="9525" cap="flat" cmpd="sng" algn="ctr">
+        <a:solidFill>
+          <a:schemeClr val="tx1">
+            <a:lumMod val="15000"/>
+            <a:lumOff val="85000"/>
+          </a:schemeClr>
+        </a:solidFill>
+        <a:round/>
+      </a:ln>
+    </cs:spPr>
+    <cs:defRPr sz="1197" kern="1200"/>
+  </cs:categoryAxis>
+  <cs:chartArea mods="allowNoFillOverride allowNoLineOverride">
+    <cs:lnRef idx="0"/>
+    <cs:fillRef idx="0"/>
+    <cs:effectRef idx="0"/>
+    <cs:fontRef idx="minor">
+      <a:schemeClr val="tx1"/>
+    </cs:fontRef>
+    <cs:spPr>
+      <a:solidFill>
+        <a:schemeClr val="bg1"/>
+      </a:solidFill>
+      <a:ln w="9525" cap="flat" cmpd="sng" algn="ctr">
+        <a:solidFill>
+          <a:schemeClr val="tx1">
+            <a:lumMod val="15000"/>
+            <a:lumOff val="85000"/>
+          </a:schemeClr>
+        </a:solidFill>
+        <a:round/>
+      </a:ln>
+    </cs:spPr>
+    <cs:defRPr sz="1197" kern="1200"/>
+  </cs:chartArea>
+  <cs:dataLabel>
+    <cs:lnRef idx="0"/>
+    <cs:fillRef idx="0"/>
+    <cs:effectRef idx="0"/>
+    <cs:fontRef idx="minor">
+      <a:schemeClr val="tx1">
+        <a:lumMod val="75000"/>
+        <a:lumOff val="25000"/>
+      </a:schemeClr>
+    </cs:fontRef>
+    <cs:defRPr sz="1197" kern="1200"/>
+  </cs:dataLabel>
+  <cs:dataLabelCallout>
+    <cs:lnRef idx="0"/>
+    <cs:fillRef idx="0"/>
+    <cs:effectRef idx="0"/>
+    <cs:fontRef idx="minor">
+      <a:schemeClr val="dk1">
+        <a:lumMod val="65000"/>
+        <a:lumOff val="35000"/>
+      </a:schemeClr>
+    </cs:fontRef>
+    <cs:spPr>
+      <a:solidFill>
+        <a:schemeClr val="lt1"/>
+      </a:solidFill>
+      <a:ln>
+        <a:solidFill>
+          <a:schemeClr val="dk1">
+            <a:lumMod val="25000"/>
+            <a:lumOff val="75000"/>
+          </a:schemeClr>
+        </a:solidFill>
+      </a:ln>
+    </cs:spPr>
+    <cs:defRPr sz="1197" kern="1200"/>
+    <cs:bodyPr rot="0" spcFirstLastPara="1" vertOverflow="clip" horzOverflow="clip" vert="horz" wrap="square" lIns="36576" tIns="18288" rIns="36576" bIns="18288" anchor="ctr" anchorCtr="1">
+      <a:spAutoFit/>
+    </cs:bodyPr>
+  </cs:dataLabelCallout>
+  <cs:dataPoint>
+    <cs:lnRef idx="0"/>
+    <cs:fillRef idx="1">
+      <cs:styleClr val="auto"/>
+    </cs:fillRef>
+    <cs:effectRef idx="0"/>
+    <cs:fontRef idx="minor">
+      <a:schemeClr val="tx1"/>
+    </cs:fontRef>
+    <cs:spPr>
+      <a:ln w="19050">
+        <a:solidFill>
+          <a:schemeClr val="lt1"/>
+        </a:solidFill>
+      </a:ln>
+    </cs:spPr>
+  </cs:dataPoint>
+  <cs:dataPoint3D>
+    <cs:lnRef idx="0"/>
+    <cs:fillRef idx="1">
+      <cs:styleClr val="auto"/>
+    </cs:fillRef>
+    <cs:effectRef idx="0"/>
+    <cs:fontRef idx="minor">
+      <a:schemeClr val="tx1"/>
+    </cs:fontRef>
+    <cs:spPr>
+      <a:ln w="25400">
+        <a:solidFill>
+          <a:schemeClr val="lt1"/>
+        </a:solidFill>
+      </a:ln>
+    </cs:spPr>
+  </cs:dataPoint3D>
+  <cs:dataPointLine>
+    <cs:lnRef idx="0">
+      <cs:styleClr val="auto"/>
+    </cs:lnRef>
+    <cs:fillRef idx="0"/>
+    <cs:effectRef idx="0"/>
+    <cs:fontRef idx="minor">
+      <a:schemeClr val="tx1"/>
+    </cs:fontRef>
+    <cs:spPr>
+      <a:ln w="28575" cap="rnd">
+        <a:solidFill>
+          <a:schemeClr val="phClr"/>
+        </a:solidFill>
+        <a:round/>
+      </a:ln>
+    </cs:spPr>
+  </cs:dataPointLine>
+  <cs:dataPointMarker>
+    <cs:lnRef idx="0">
+      <cs:styleClr val="auto"/>
+    </cs:lnRef>
+    <cs:fillRef idx="1">
+      <cs:styleClr val="auto"/>
+    </cs:fillRef>
+    <cs:effectRef idx="0"/>
+    <cs:fontRef idx="minor">
+      <a:schemeClr val="tx1"/>
+    </cs:fontRef>
+    <cs:spPr>
+      <a:ln w="9525">
+        <a:solidFill>
+          <a:schemeClr val="phClr"/>
+        </a:solidFill>
+      </a:ln>
+    </cs:spPr>
+  </cs:dataPointMarker>
+  <cs:dataPointMarkerLayout symbol="circle" size="5"/>
+  <cs:dataPointWireframe>
+    <cs:lnRef idx="0">
+      <cs:styleClr val="auto"/>
+    </cs:lnRef>
+    <cs:fillRef idx="0"/>
+    <cs:effectRef idx="0"/>
+    <cs:fontRef idx="minor">
+      <a:schemeClr val="tx1"/>
+    </cs:fontRef>
+    <cs:spPr>
+      <a:ln w="9525" cap="rnd">
+        <a:solidFill>
+          <a:schemeClr val="phClr"/>
+        </a:solidFill>
+        <a:round/>
+      </a:ln>
+    </cs:spPr>
+  </cs:dataPointWireframe>
+  <cs:dataTable>
+    <cs:lnRef idx="0"/>
+    <cs:fillRef idx="0"/>
+    <cs:effectRef idx="0"/>
+    <cs:fontRef idx="minor">
+      <a:schemeClr val="tx1">
+        <a:lumMod val="65000"/>
+        <a:lumOff val="35000"/>
+      </a:schemeClr>
+    </cs:fontRef>
+    <cs:spPr>
+      <a:noFill/>
+      <a:ln w="9525" cap="flat" cmpd="sng" algn="ctr">
+        <a:solidFill>
+          <a:schemeClr val="tx1">
+            <a:lumMod val="15000"/>
+            <a:lumOff val="85000"/>
+          </a:schemeClr>
+        </a:solidFill>
+        <a:round/>
+      </a:ln>
+    </cs:spPr>
+    <cs:defRPr sz="1197" kern="1200"/>
+  </cs:dataTable>
+  <cs:downBar>
+    <cs:lnRef idx="0"/>
+    <cs:fillRef idx="0"/>
+    <cs:effectRef idx="0"/>
+    <cs:fontRef idx="minor">
+      <a:schemeClr val="tx1"/>
+    </cs:fontRef>
+    <cs:spPr>
+      <a:solidFill>
+        <a:schemeClr val="dk1">
+          <a:lumMod val="75000"/>
+          <a:lumOff val="25000"/>
+        </a:schemeClr>
+      </a:solidFill>
+      <a:ln w="9525" cap="flat" cmpd="sng" algn="ctr">
+        <a:solidFill>
+          <a:schemeClr val="tx1">
+            <a:lumMod val="65000"/>
+            <a:lumOff val="35000"/>
+          </a:schemeClr>
+        </a:solidFill>
+        <a:round/>
+      </a:ln>
+    </cs:spPr>
+  </cs:downBar>
+  <cs:dropLine>
+    <cs:lnRef idx="0"/>
+    <cs:fillRef idx="0"/>
+    <cs:effectRef idx="0"/>
+    <cs:fontRef idx="minor">
+      <a:schemeClr val="tx1"/>
+    </cs:fontRef>
+    <cs:spPr>
+      <a:ln w="9525" cap="flat" cmpd="sng" algn="ctr">
+        <a:solidFill>
+          <a:schemeClr val="tx1">
+            <a:lumMod val="35000"/>
+            <a:lumOff val="65000"/>
+          </a:schemeClr>
+        </a:solidFill>
+        <a:round/>
+      </a:ln>
+    </cs:spPr>
+  </cs:dropLine>
+  <cs:errorBar>
+    <cs:lnRef idx="0"/>
+    <cs:fillRef idx="0"/>
+    <cs:effectRef idx="0"/>
+    <cs:fontRef idx="minor">
+      <a:schemeClr val="tx1"/>
+    </cs:fontRef>
+    <cs:spPr>
+      <a:ln w="9525" cap="flat" cmpd="sng" algn="ctr">
+        <a:solidFill>
+          <a:schemeClr val="tx1">
+            <a:lumMod val="65000"/>
+            <a:lumOff val="35000"/>
+          </a:schemeClr>
+        </a:solidFill>
+        <a:round/>
+      </a:ln>
+    </cs:spPr>
+  </cs:errorBar>
+  <cs:floor>
+    <cs:lnRef idx="0"/>
+    <cs:fillRef idx="0"/>
+    <cs:effectRef idx="0"/>
+    <cs:fontRef idx="minor">
+      <a:schemeClr val="tx1"/>
+    </cs:fontRef>
+    <cs:spPr>
+      <a:noFill/>
+      <a:ln>
+        <a:noFill/>
+      </a:ln>
+    </cs:spPr>
+  </cs:floor>
+  <cs:gridlineMajor>
+    <cs:lnRef idx="0"/>
+    <cs:fillRef idx="0"/>
+    <cs:effectRef idx="0"/>
+    <cs:fontRef idx="minor">
+      <a:schemeClr val="tx1"/>
+    </cs:fontRef>
+    <cs:spPr>
+      <a:ln w="9525" cap="flat" cmpd="sng" algn="ctr">
+        <a:solidFill>
+          <a:schemeClr val="tx1">
+            <a:lumMod val="15000"/>
+            <a:lumOff val="85000"/>
+          </a:schemeClr>
+        </a:solidFill>
+        <a:round/>
+      </a:ln>
+    </cs:spPr>
+  </cs:gridlineMajor>
+  <cs:gridlineMinor>
+    <cs:lnRef idx="0"/>
+    <cs:fillRef idx="0"/>
+    <cs:effectRef idx="0"/>
+    <cs:fontRef idx="minor">
+      <a:schemeClr val="tx1"/>
+    </cs:fontRef>
+    <cs:spPr>
+      <a:ln w="9525" cap="flat" cmpd="sng" algn="ctr">
+        <a:solidFill>
+          <a:schemeClr val="tx1">
+            <a:lumMod val="5000"/>
+            <a:lumOff val="95000"/>
+          </a:schemeClr>
+        </a:solidFill>
+        <a:round/>
+      </a:ln>
+    </cs:spPr>
+  </cs:gridlineMinor>
+  <cs:hiLoLine>
+    <cs:lnRef idx="0"/>
+    <cs:fillRef idx="0"/>
+    <cs:effectRef idx="0"/>
+    <cs:fontRef idx="minor">
+      <a:schemeClr val="tx1"/>
+    </cs:fontRef>
+    <cs:spPr>
+      <a:ln w="9525" cap="flat" cmpd="sng" algn="ctr">
+        <a:solidFill>
+          <a:schemeClr val="tx1">
+            <a:lumMod val="50000"/>
+            <a:lumOff val="50000"/>
+          </a:schemeClr>
+        </a:solidFill>
+        <a:round/>
+      </a:ln>
+    </cs:spPr>
+  </cs:hiLoLine>
+  <cs:leaderLine>
+    <cs:lnRef idx="0"/>
+    <cs:fillRef idx="0"/>
+    <cs:effectRef idx="0"/>
+    <cs:fontRef idx="minor">
+      <a:schemeClr val="tx1"/>
+    </cs:fontRef>
+    <cs:spPr>
+      <a:ln w="9525" cap="flat" cmpd="sng" algn="ctr">
+        <a:solidFill>
+          <a:schemeClr val="tx1">
+            <a:lumMod val="35000"/>
+            <a:lumOff val="65000"/>
+          </a:schemeClr>
+        </a:solidFill>
+        <a:round/>
+      </a:ln>
+    </cs:spPr>
+  </cs:leaderLine>
+  <cs:legend>
+    <cs:lnRef idx="0"/>
+    <cs:fillRef idx="0"/>
+    <cs:effectRef idx="0"/>
+    <cs:fontRef idx="minor">
+      <a:schemeClr val="tx1">
+        <a:lumMod val="65000"/>
+        <a:lumOff val="35000"/>
+      </a:schemeClr>
+    </cs:fontRef>
+    <cs:defRPr sz="1197" kern="1200"/>
+  </cs:legend>
+  <cs:plotArea mods="allowNoFillOverride allowNoLineOverride">
+    <cs:lnRef idx="0"/>
+    <cs:fillRef idx="0"/>
+    <cs:effectRef idx="0"/>
+    <cs:fontRef idx="minor">
+      <a:schemeClr val="tx1"/>
+    </cs:fontRef>
+  </cs:plotArea>
+  <cs:plotArea3D mods="allowNoFillOverride allowNoLineOverride">
+    <cs:lnRef idx="0"/>
+    <cs:fillRef idx="0"/>
+    <cs:effectRef idx="0"/>
+    <cs:fontRef idx="minor">
+      <a:schemeClr val="tx1"/>
+    </cs:fontRef>
+  </cs:plotArea3D>
+  <cs:seriesAxis>
+    <cs:lnRef idx="0"/>
+    <cs:fillRef idx="0"/>
+    <cs:effectRef idx="0"/>
+    <cs:fontRef idx="minor">
+      <a:schemeClr val="tx1">
+        <a:lumMod val="65000"/>
+        <a:lumOff val="35000"/>
+      </a:schemeClr>
+    </cs:fontRef>
+    <cs:defRPr sz="1197" kern="1200"/>
+  </cs:seriesAxis>
+  <cs:seriesLine>
+    <cs:lnRef idx="0"/>
+    <cs:fillRef idx="0"/>
+    <cs:effectRef idx="0"/>
+    <cs:fontRef idx="minor">
+      <a:schemeClr val="tx1"/>
+    </cs:fontRef>
+    <cs:spPr>
+      <a:ln w="9525" cap="flat" cmpd="sng" algn="ctr">
+        <a:solidFill>
+          <a:schemeClr val="tx1">
+            <a:lumMod val="35000"/>
+            <a:lumOff val="65000"/>
+          </a:schemeClr>
+        </a:solidFill>
+        <a:round/>
+      </a:ln>
+    </cs:spPr>
+  </cs:seriesLine>
+  <cs:title>
+    <cs:lnRef idx="0"/>
+    <cs:fillRef idx="0"/>
+    <cs:effectRef idx="0"/>
+    <cs:fontRef idx="minor">
+      <a:schemeClr val="tx1">
+        <a:lumMod val="65000"/>
+        <a:lumOff val="35000"/>
+      </a:schemeClr>
+    </cs:fontRef>
+    <cs:defRPr sz="1862" b="0" kern="1200" spc="0" baseline="0"/>
+  </cs:title>
+  <cs:trendline>
+    <cs:lnRef idx="0">
+      <cs:styleClr val="auto"/>
+    </cs:lnRef>
+    <cs:fillRef idx="0"/>
+    <cs:effectRef idx="0"/>
+    <cs:fontRef idx="minor">
+      <a:schemeClr val="tx1"/>
+    </cs:fontRef>
+    <cs:spPr>
+      <a:ln w="19050" cap="rnd">
+        <a:solidFill>
+          <a:schemeClr val="phClr"/>
+        </a:solidFill>
+        <a:prstDash val="sysDot"/>
+      </a:ln>
+    </cs:spPr>
+  </cs:trendline>
+  <cs:trendlineLabel>
+    <cs:lnRef idx="0"/>
+    <cs:fillRef idx="0"/>
+    <cs:effectRef idx="0"/>
+    <cs:fontRef idx="minor">
+      <a:schemeClr val="tx1">
+        <a:lumMod val="65000"/>
+        <a:lumOff val="35000"/>
+      </a:schemeClr>
+    </cs:fontRef>
+    <cs:defRPr sz="1197" kern="1200"/>
+  </cs:trendlineLabel>
+  <cs:upBar>
+    <cs:lnRef idx="0"/>
+    <cs:fillRef idx="0"/>
+    <cs:effectRef idx="0"/>
+    <cs:fontRef idx="minor">
+      <a:schemeClr val="tx1"/>
+    </cs:fontRef>
+    <cs:spPr>
+      <a:solidFill>
+        <a:schemeClr val="lt1"/>
+      </a:solidFill>
+      <a:ln w="9525" cap="flat" cmpd="sng" algn="ctr">
+        <a:solidFill>
+          <a:schemeClr val="tx1">
+            <a:lumMod val="65000"/>
+            <a:lumOff val="35000"/>
+          </a:schemeClr>
+        </a:solidFill>
+        <a:round/>
+      </a:ln>
+    </cs:spPr>
+  </cs:upBar>
+  <cs:valueAxis>
+    <cs:lnRef idx="0"/>
+    <cs:fillRef idx="0"/>
+    <cs:effectRef idx="0"/>
+    <cs:fontRef idx="minor">
+      <a:schemeClr val="tx1">
+        <a:lumMod val="65000"/>
+        <a:lumOff val="35000"/>
+      </a:schemeClr>
+    </cs:fontRef>
+    <cs:defRPr sz="1197" kern="1200"/>
+  </cs:valueAxis>
+  <cs:wall>
+    <cs:lnRef idx="0"/>
+    <cs:fillRef idx="0"/>
+    <cs:effectRef idx="0"/>
+    <cs:fontRef idx="minor">
+      <a:schemeClr val="tx1"/>
+    </cs:fontRef>
+    <cs:spPr>
+      <a:noFill/>
+      <a:ln>
+        <a:noFill/>
+      </a:ln>
+    </cs:spPr>
+  </cs:wall>
+</cs:chartStyle>
+</file>
+
+<file path=ppt/charts/style2.xml><?xml version="1.0" encoding="utf-8"?>
+<cs:chartStyle xmlns:cs="http://schemas.microsoft.com/office/drawing/2012/chartStyle" xmlns:a="http://schemas.openxmlformats.org/drawingml/2006/main" id="251">
+  <cs:axisTitle>
+    <cs:lnRef idx="0"/>
+    <cs:fillRef idx="0"/>
+    <cs:effectRef idx="0"/>
+    <cs:fontRef idx="minor">
+      <a:schemeClr val="tx1">
+        <a:lumMod val="65000"/>
+        <a:lumOff val="35000"/>
+      </a:schemeClr>
+    </cs:fontRef>
+    <cs:defRPr sz="1330" kern="1200"/>
+  </cs:axisTitle>
+  <cs:categoryAxis>
+    <cs:lnRef idx="0"/>
+    <cs:fillRef idx="0"/>
+    <cs:effectRef idx="0"/>
+    <cs:fontRef idx="minor">
+      <a:schemeClr val="tx1">
+        <a:lumMod val="65000"/>
+        <a:lumOff val="35000"/>
+      </a:schemeClr>
+    </cs:fontRef>
+    <cs:spPr>
+      <a:ln w="9525" cap="flat" cmpd="sng" algn="ctr">
+        <a:solidFill>
+          <a:schemeClr val="tx1">
+            <a:lumMod val="15000"/>
+            <a:lumOff val="85000"/>
+          </a:schemeClr>
+        </a:solidFill>
+        <a:round/>
+      </a:ln>
+    </cs:spPr>
+    <cs:defRPr sz="1197" kern="1200"/>
+  </cs:categoryAxis>
+  <cs:chartArea mods="allowNoFillOverride allowNoLineOverride">
+    <cs:lnRef idx="0"/>
+    <cs:fillRef idx="0"/>
+    <cs:effectRef idx="0"/>
+    <cs:fontRef idx="minor">
+      <a:schemeClr val="tx1"/>
+    </cs:fontRef>
+    <cs:spPr>
+      <a:solidFill>
+        <a:schemeClr val="bg1"/>
+      </a:solidFill>
+      <a:ln w="9525" cap="flat" cmpd="sng" algn="ctr">
+        <a:solidFill>
+          <a:schemeClr val="tx1">
+            <a:lumMod val="15000"/>
+            <a:lumOff val="85000"/>
+          </a:schemeClr>
+        </a:solidFill>
+        <a:round/>
+      </a:ln>
+    </cs:spPr>
+    <cs:defRPr sz="1197" kern="1200"/>
+  </cs:chartArea>
+  <cs:dataLabel>
+    <cs:lnRef idx="0"/>
+    <cs:fillRef idx="0"/>
+    <cs:effectRef idx="0"/>
+    <cs:fontRef idx="minor">
+      <a:schemeClr val="tx1">
+        <a:lumMod val="75000"/>
+        <a:lumOff val="25000"/>
+      </a:schemeClr>
+    </cs:fontRef>
+    <cs:defRPr sz="1197" kern="1200"/>
+  </cs:dataLabel>
+  <cs:dataLabelCallout>
+    <cs:lnRef idx="0"/>
+    <cs:fillRef idx="0"/>
+    <cs:effectRef idx="0"/>
+    <cs:fontRef idx="minor">
+      <a:schemeClr val="dk1">
+        <a:lumMod val="65000"/>
+        <a:lumOff val="35000"/>
+      </a:schemeClr>
+    </cs:fontRef>
+    <cs:spPr>
+      <a:solidFill>
+        <a:schemeClr val="lt1"/>
+      </a:solidFill>
+      <a:ln>
+        <a:solidFill>
+          <a:schemeClr val="dk1">
+            <a:lumMod val="25000"/>
+            <a:lumOff val="75000"/>
+          </a:schemeClr>
+        </a:solidFill>
+      </a:ln>
+    </cs:spPr>
+    <cs:defRPr sz="1197" kern="1200"/>
+    <cs:bodyPr rot="0" spcFirstLastPara="1" vertOverflow="clip" horzOverflow="clip" vert="horz" wrap="square" lIns="36576" tIns="18288" rIns="36576" bIns="18288" anchor="ctr" anchorCtr="1">
+      <a:spAutoFit/>
+    </cs:bodyPr>
+  </cs:dataLabelCallout>
+  <cs:dataPoint>
+    <cs:lnRef idx="0"/>
+    <cs:fillRef idx="1">
+      <cs:styleClr val="auto"/>
+    </cs:fillRef>
+    <cs:effectRef idx="0"/>
+    <cs:fontRef idx="minor">
+      <a:schemeClr val="tx1"/>
+    </cs:fontRef>
+    <cs:spPr>
+      <a:ln w="19050">
+        <a:solidFill>
+          <a:schemeClr val="lt1"/>
+        </a:solidFill>
+      </a:ln>
+    </cs:spPr>
+  </cs:dataPoint>
+  <cs:dataPoint3D>
+    <cs:lnRef idx="0"/>
+    <cs:fillRef idx="1">
+      <cs:styleClr val="auto"/>
+    </cs:fillRef>
+    <cs:effectRef idx="0"/>
+    <cs:fontRef idx="minor">
+      <a:schemeClr val="tx1"/>
+    </cs:fontRef>
+    <cs:spPr>
+      <a:ln w="25400">
+        <a:solidFill>
+          <a:schemeClr val="lt1"/>
+        </a:solidFill>
+      </a:ln>
+    </cs:spPr>
+  </cs:dataPoint3D>
+  <cs:dataPointLine>
+    <cs:lnRef idx="0">
+      <cs:styleClr val="auto"/>
+    </cs:lnRef>
+    <cs:fillRef idx="0"/>
+    <cs:effectRef idx="0"/>
+    <cs:fontRef idx="minor">
+      <a:schemeClr val="tx1"/>
+    </cs:fontRef>
+    <cs:spPr>
+      <a:ln w="28575" cap="rnd">
+        <a:solidFill>
+          <a:schemeClr val="phClr"/>
+        </a:solidFill>
+        <a:round/>
+      </a:ln>
+    </cs:spPr>
+  </cs:dataPointLine>
+  <cs:dataPointMarker>
+    <cs:lnRef idx="0">
+      <cs:styleClr val="auto"/>
+    </cs:lnRef>
+    <cs:fillRef idx="1">
+      <cs:styleClr val="auto"/>
+    </cs:fillRef>
+    <cs:effectRef idx="0"/>
+    <cs:fontRef idx="minor">
+      <a:schemeClr val="tx1"/>
+    </cs:fontRef>
+    <cs:spPr>
+      <a:ln w="9525">
+        <a:solidFill>
+          <a:schemeClr val="phClr"/>
+        </a:solidFill>
+      </a:ln>
+    </cs:spPr>
+  </cs:dataPointMarker>
+  <cs:dataPointMarkerLayout symbol="circle" size="5"/>
+  <cs:dataPointWireframe>
+    <cs:lnRef idx="0">
+      <cs:styleClr val="auto"/>
+    </cs:lnRef>
+    <cs:fillRef idx="0"/>
+    <cs:effectRef idx="0"/>
+    <cs:fontRef idx="minor">
+      <a:schemeClr val="tx1"/>
+    </cs:fontRef>
+    <cs:spPr>
+      <a:ln w="9525" cap="rnd">
+        <a:solidFill>
+          <a:schemeClr val="phClr"/>
+        </a:solidFill>
+        <a:round/>
+      </a:ln>
+    </cs:spPr>
+  </cs:dataPointWireframe>
+  <cs:dataTable>
+    <cs:lnRef idx="0"/>
+    <cs:fillRef idx="0"/>
+    <cs:effectRef idx="0"/>
+    <cs:fontRef idx="minor">
+      <a:schemeClr val="tx1">
+        <a:lumMod val="65000"/>
+        <a:lumOff val="35000"/>
+      </a:schemeClr>
+    </cs:fontRef>
+    <cs:spPr>
+      <a:noFill/>
+      <a:ln w="9525" cap="flat" cmpd="sng" algn="ctr">
+        <a:solidFill>
+          <a:schemeClr val="tx1">
+            <a:lumMod val="15000"/>
+            <a:lumOff val="85000"/>
+          </a:schemeClr>
+        </a:solidFill>
+        <a:round/>
+      </a:ln>
+    </cs:spPr>
+    <cs:defRPr sz="1197" kern="1200"/>
+  </cs:dataTable>
+  <cs:downBar>
+    <cs:lnRef idx="0"/>
+    <cs:fillRef idx="0"/>
+    <cs:effectRef idx="0"/>
+    <cs:fontRef idx="minor">
+      <a:schemeClr val="tx1"/>
+    </cs:fontRef>
+    <cs:spPr>
+      <a:solidFill>
+        <a:schemeClr val="dk1">
+          <a:lumMod val="75000"/>
+          <a:lumOff val="25000"/>
+        </a:schemeClr>
+      </a:solidFill>
+      <a:ln w="9525" cap="flat" cmpd="sng" algn="ctr">
+        <a:solidFill>
+          <a:schemeClr val="tx1">
+            <a:lumMod val="65000"/>
+            <a:lumOff val="35000"/>
+          </a:schemeClr>
+        </a:solidFill>
+        <a:round/>
+      </a:ln>
+    </cs:spPr>
+  </cs:downBar>
+  <cs:dropLine>
+    <cs:lnRef idx="0"/>
+    <cs:fillRef idx="0"/>
+    <cs:effectRef idx="0"/>
+    <cs:fontRef idx="minor">
+      <a:schemeClr val="tx1"/>
+    </cs:fontRef>
+    <cs:spPr>
+      <a:ln w="9525" cap="flat" cmpd="sng" algn="ctr">
+        <a:solidFill>
+          <a:schemeClr val="tx1">
+            <a:lumMod val="35000"/>
+            <a:lumOff val="65000"/>
+          </a:schemeClr>
+        </a:solidFill>
+        <a:round/>
+      </a:ln>
+    </cs:spPr>
+  </cs:dropLine>
+  <cs:errorBar>
+    <cs:lnRef idx="0"/>
+    <cs:fillRef idx="0"/>
+    <cs:effectRef idx="0"/>
+    <cs:fontRef idx="minor">
+      <a:schemeClr val="tx1"/>
+    </cs:fontRef>
+    <cs:spPr>
+      <a:ln w="9525" cap="flat" cmpd="sng" algn="ctr">
+        <a:solidFill>
+          <a:schemeClr val="tx1">
+            <a:lumMod val="65000"/>
+            <a:lumOff val="35000"/>
+          </a:schemeClr>
+        </a:solidFill>
+        <a:round/>
+      </a:ln>
+    </cs:spPr>
+  </cs:errorBar>
+  <cs:floor>
+    <cs:lnRef idx="0"/>
+    <cs:fillRef idx="0"/>
+    <cs:effectRef idx="0"/>
+    <cs:fontRef idx="minor">
+      <a:schemeClr val="tx1"/>
+    </cs:fontRef>
+    <cs:spPr>
+      <a:noFill/>
+      <a:ln>
+        <a:noFill/>
+      </a:ln>
+    </cs:spPr>
+  </cs:floor>
+  <cs:gridlineMajor>
+    <cs:lnRef idx="0"/>
+    <cs:fillRef idx="0"/>
+    <cs:effectRef idx="0"/>
+    <cs:fontRef idx="minor">
+      <a:schemeClr val="tx1"/>
+    </cs:fontRef>
+    <cs:spPr>
+      <a:ln w="9525" cap="flat" cmpd="sng" algn="ctr">
+        <a:solidFill>
+          <a:schemeClr val="tx1">
+            <a:lumMod val="15000"/>
+            <a:lumOff val="85000"/>
+          </a:schemeClr>
+        </a:solidFill>
+        <a:round/>
+      </a:ln>
+    </cs:spPr>
+  </cs:gridlineMajor>
+  <cs:gridlineMinor>
+    <cs:lnRef idx="0"/>
+    <cs:fillRef idx="0"/>
+    <cs:effectRef idx="0"/>
+    <cs:fontRef idx="minor">
+      <a:schemeClr val="tx1"/>
+    </cs:fontRef>
+    <cs:spPr>
+      <a:ln w="9525" cap="flat" cmpd="sng" algn="ctr">
+        <a:solidFill>
+          <a:schemeClr val="tx1">
+            <a:lumMod val="5000"/>
+            <a:lumOff val="95000"/>
+          </a:schemeClr>
+        </a:solidFill>
+        <a:round/>
+      </a:ln>
+    </cs:spPr>
+  </cs:gridlineMinor>
+  <cs:hiLoLine>
+    <cs:lnRef idx="0"/>
+    <cs:fillRef idx="0"/>
+    <cs:effectRef idx="0"/>
+    <cs:fontRef idx="minor">
+      <a:schemeClr val="tx1"/>
+    </cs:fontRef>
+    <cs:spPr>
+      <a:ln w="9525" cap="flat" cmpd="sng" algn="ctr">
+        <a:solidFill>
+          <a:schemeClr val="tx1">
+            <a:lumMod val="50000"/>
+            <a:lumOff val="50000"/>
+          </a:schemeClr>
+        </a:solidFill>
+        <a:round/>
+      </a:ln>
+    </cs:spPr>
+  </cs:hiLoLine>
+  <cs:leaderLine>
+    <cs:lnRef idx="0"/>
+    <cs:fillRef idx="0"/>
+    <cs:effectRef idx="0"/>
+    <cs:fontRef idx="minor">
+      <a:schemeClr val="tx1"/>
+    </cs:fontRef>
+    <cs:spPr>
+      <a:ln w="9525" cap="flat" cmpd="sng" algn="ctr">
+        <a:solidFill>
+          <a:schemeClr val="tx1">
+            <a:lumMod val="35000"/>
+            <a:lumOff val="65000"/>
+          </a:schemeClr>
+        </a:solidFill>
+        <a:round/>
+      </a:ln>
+    </cs:spPr>
+  </cs:leaderLine>
+  <cs:legend>
+    <cs:lnRef idx="0"/>
+    <cs:fillRef idx="0"/>
+    <cs:effectRef idx="0"/>
+    <cs:fontRef idx="minor">
+      <a:schemeClr val="tx1">
+        <a:lumMod val="65000"/>
+        <a:lumOff val="35000"/>
+      </a:schemeClr>
+    </cs:fontRef>
+    <cs:defRPr sz="1197" kern="1200"/>
+  </cs:legend>
+  <cs:plotArea mods="allowNoFillOverride allowNoLineOverride">
+    <cs:lnRef idx="0"/>
+    <cs:fillRef idx="0"/>
+    <cs:effectRef idx="0"/>
+    <cs:fontRef idx="minor">
+      <a:schemeClr val="tx1"/>
+    </cs:fontRef>
+  </cs:plotArea>
+  <cs:plotArea3D mods="allowNoFillOverride allowNoLineOverride">
+    <cs:lnRef idx="0"/>
+    <cs:fillRef idx="0"/>
+    <cs:effectRef idx="0"/>
+    <cs:fontRef idx="minor">
+      <a:schemeClr val="tx1"/>
+    </cs:fontRef>
+  </cs:plotArea3D>
+  <cs:seriesAxis>
+    <cs:lnRef idx="0"/>
+    <cs:fillRef idx="0"/>
+    <cs:effectRef idx="0"/>
+    <cs:fontRef idx="minor">
+      <a:schemeClr val="tx1">
+        <a:lumMod val="65000"/>
+        <a:lumOff val="35000"/>
+      </a:schemeClr>
+    </cs:fontRef>
+    <cs:defRPr sz="1197" kern="1200"/>
+  </cs:seriesAxis>
+  <cs:seriesLine>
+    <cs:lnRef idx="0"/>
+    <cs:fillRef idx="0"/>
+    <cs:effectRef idx="0"/>
+    <cs:fontRef idx="minor">
+      <a:schemeClr val="tx1"/>
+    </cs:fontRef>
+    <cs:spPr>
+      <a:ln w="9525" cap="flat" cmpd="sng" algn="ctr">
+        <a:solidFill>
+          <a:schemeClr val="tx1">
+            <a:lumMod val="35000"/>
+            <a:lumOff val="65000"/>
+          </a:schemeClr>
+        </a:solidFill>
+        <a:round/>
+      </a:ln>
+    </cs:spPr>
+  </cs:seriesLine>
+  <cs:title>
+    <cs:lnRef idx="0"/>
+    <cs:fillRef idx="0"/>
+    <cs:effectRef idx="0"/>
+    <cs:fontRef idx="minor">
+      <a:schemeClr val="tx1">
+        <a:lumMod val="65000"/>
+        <a:lumOff val="35000"/>
+      </a:schemeClr>
+    </cs:fontRef>
+    <cs:defRPr sz="1862" b="0" kern="1200" spc="0" baseline="0"/>
+  </cs:title>
+  <cs:trendline>
+    <cs:lnRef idx="0">
+      <cs:styleClr val="auto"/>
+    </cs:lnRef>
+    <cs:fillRef idx="0"/>
+    <cs:effectRef idx="0"/>
+    <cs:fontRef idx="minor">
+      <a:schemeClr val="tx1"/>
+    </cs:fontRef>
+    <cs:spPr>
+      <a:ln w="19050" cap="rnd">
+        <a:solidFill>
+          <a:schemeClr val="phClr"/>
+        </a:solidFill>
+        <a:prstDash val="sysDot"/>
+      </a:ln>
+    </cs:spPr>
+  </cs:trendline>
+  <cs:trendlineLabel>
+    <cs:lnRef idx="0"/>
+    <cs:fillRef idx="0"/>
+    <cs:effectRef idx="0"/>
+    <cs:fontRef idx="minor">
+      <a:schemeClr val="tx1">
+        <a:lumMod val="65000"/>
+        <a:lumOff val="35000"/>
+      </a:schemeClr>
+    </cs:fontRef>
+    <cs:defRPr sz="1197" kern="1200"/>
+  </cs:trendlineLabel>
+  <cs:upBar>
+    <cs:lnRef idx="0"/>
+    <cs:fillRef idx="0"/>
+    <cs:effectRef idx="0"/>
+    <cs:fontRef idx="minor">
+      <a:schemeClr val="tx1"/>
+    </cs:fontRef>
+    <cs:spPr>
+      <a:solidFill>
+        <a:schemeClr val="lt1"/>
+      </a:solidFill>
+      <a:ln w="9525" cap="flat" cmpd="sng" algn="ctr">
+        <a:solidFill>
+          <a:schemeClr val="tx1">
+            <a:lumMod val="65000"/>
+            <a:lumOff val="35000"/>
+          </a:schemeClr>
+        </a:solidFill>
+        <a:round/>
+      </a:ln>
+    </cs:spPr>
+  </cs:upBar>
+  <cs:valueAxis>
+    <cs:lnRef idx="0"/>
+    <cs:fillRef idx="0"/>
+    <cs:effectRef idx="0"/>
+    <cs:fontRef idx="minor">
+      <a:schemeClr val="tx1">
+        <a:lumMod val="65000"/>
+        <a:lumOff val="35000"/>
+      </a:schemeClr>
+    </cs:fontRef>
+    <cs:defRPr sz="1197" kern="1200"/>
+  </cs:valueAxis>
+  <cs:wall>
+    <cs:lnRef idx="0"/>
+    <cs:fillRef idx="0"/>
+    <cs:effectRef idx="0"/>
+    <cs:fontRef idx="minor">
+      <a:schemeClr val="tx1"/>
+    </cs:fontRef>
+    <cs:spPr>
+      <a:noFill/>
+      <a:ln>
+        <a:noFill/>
+      </a:ln>
+    </cs:spPr>
+  </cs:wall>
+</cs:chartStyle>
+</file>
+
+<file path=ppt/drawings/drawing1.xml><?xml version="1.0" encoding="utf-8"?>
+<c:userShapes xmlns:c="http://schemas.openxmlformats.org/drawingml/2006/chart">
+  <cdr:relSizeAnchor xmlns:cdr="http://schemas.openxmlformats.org/drawingml/2006/chartDrawing">
+    <cdr:from>
+      <cdr:x>0.29556</cdr:x>
+      <cdr:y>0.45122</cdr:y>
+    </cdr:from>
+    <cdr:to>
+      <cdr:x>0.44591</cdr:x>
+      <cdr:y>0.54878</cdr:y>
+    </cdr:to>
+    <cdr:sp macro="" textlink="">
+      <cdr:nvSpPr>
+        <cdr:cNvPr id="2" name="Textfeld 1">
+          <a:extLst xmlns:a="http://schemas.openxmlformats.org/drawingml/2006/main">
+            <a:ext uri="{FF2B5EF4-FFF2-40B4-BE49-F238E27FC236}">
+              <a16:creationId xmlns:a16="http://schemas.microsoft.com/office/drawing/2014/main" id="{F104FBE5-0837-48A2-9D95-ABBA0AF9E9C2}"/>
+            </a:ext>
+          </a:extLst>
+        </cdr:cNvPr>
+        <cdr:cNvSpPr txBox="1"/>
+      </cdr:nvSpPr>
+      <cdr:spPr>
+        <a:xfrm xmlns:a="http://schemas.openxmlformats.org/drawingml/2006/main">
+          <a:off x="1415643" y="1643827"/>
+          <a:ext cx="720133" cy="355430"/>
+        </a:xfrm>
+        <a:prstGeom xmlns:a="http://schemas.openxmlformats.org/drawingml/2006/main" prst="rect">
+          <a:avLst/>
+        </a:prstGeom>
+      </cdr:spPr>
+      <cdr:txBody>
+        <a:bodyPr xmlns:a="http://schemas.openxmlformats.org/drawingml/2006/main" vertOverflow="clip" wrap="none" rtlCol="0"/>
+        <a:lstStyle xmlns:a="http://schemas.openxmlformats.org/drawingml/2006/main"/>
+        <a:p xmlns:a="http://schemas.openxmlformats.org/drawingml/2006/main">
+          <a:r>
+            <a:rPr lang="de-AT" sz="1800" dirty="0"/>
+            <a:t>215h</a:t>
+          </a:r>
+        </a:p>
+      </cdr:txBody>
+    </cdr:sp>
+  </cdr:relSizeAnchor>
+  <cdr:relSizeAnchor xmlns:cdr="http://schemas.openxmlformats.org/drawingml/2006/chartDrawing">
+    <cdr:from>
+      <cdr:x>0.53378</cdr:x>
+      <cdr:y>0.44739</cdr:y>
+    </cdr:from>
+    <cdr:to>
+      <cdr:x>0.68455</cdr:x>
+      <cdr:y>0.55261</cdr:y>
+    </cdr:to>
+    <cdr:sp macro="" textlink="">
+      <cdr:nvSpPr>
+        <cdr:cNvPr id="3" name="Textfeld 2">
+          <a:extLst xmlns:a="http://schemas.openxmlformats.org/drawingml/2006/main">
+            <a:ext uri="{FF2B5EF4-FFF2-40B4-BE49-F238E27FC236}">
+              <a16:creationId xmlns:a16="http://schemas.microsoft.com/office/drawing/2014/main" id="{B6E6822C-F044-47EA-AF66-D3ACDEE946FB}"/>
+            </a:ext>
+          </a:extLst>
+        </cdr:cNvPr>
+        <cdr:cNvSpPr txBox="1"/>
+      </cdr:nvSpPr>
+      <cdr:spPr>
+        <a:xfrm xmlns:a="http://schemas.openxmlformats.org/drawingml/2006/main">
+          <a:off x="2556658" y="1629894"/>
+          <a:ext cx="722119" cy="383295"/>
+        </a:xfrm>
+        <a:prstGeom xmlns:a="http://schemas.openxmlformats.org/drawingml/2006/main" prst="rect">
+          <a:avLst/>
+        </a:prstGeom>
+      </cdr:spPr>
+      <cdr:txBody>
+        <a:bodyPr xmlns:a="http://schemas.openxmlformats.org/drawingml/2006/main" vertOverflow="clip" wrap="none" rtlCol="0"/>
+        <a:lstStyle xmlns:a="http://schemas.openxmlformats.org/drawingml/2006/main"/>
+        <a:p xmlns:a="http://schemas.openxmlformats.org/drawingml/2006/main">
+          <a:r>
+            <a:rPr lang="de-AT" sz="1800" dirty="0"/>
+            <a:t>290h</a:t>
+          </a:r>
+        </a:p>
+      </cdr:txBody>
+    </cdr:sp>
+  </cdr:relSizeAnchor>
+</c:userShapes>
+</file>
+
 <file path=ppt/slideLayouts/slideLayout1.xml><?xml version="1.0" encoding="utf-8"?>
 <p:sldLayout xmlns:a="http://schemas.openxmlformats.org/drawingml/2006/main" xmlns:r="http://schemas.openxmlformats.org/officeDocument/2006/relationships" xmlns:p="http://schemas.openxmlformats.org/presentationml/2006/main" showMasterSp="0" type="title" preserve="1">
   <p:cSld name="Titelfolie">
@@ -777,7 +2398,7 @@
             <a:fld id="{1E700B27-DE4C-4B9E-BB11-B9027034A00F}" type="datetimeFigureOut">
               <a:rPr lang="en-US" dirty="0"/>
               <a:pPr/>
-              <a:t>12/10/2018</a:t>
+              <a:t>12/11/2018</a:t>
             </a:fld>
             <a:endParaRPr lang="en-US"/>
           </a:p>
@@ -1909,7 +3530,7 @@
           <a:p>
             <a:fld id="{C40F4739-9812-4A9F-890D-2AD6BA5F6EE8}" type="datetimeFigureOut">
               <a:rPr lang="en-US" dirty="0"/>
-              <a:t>12/10/2018</a:t>
+              <a:t>12/11/2018</a:t>
             </a:fld>
             <a:endParaRPr lang="en-US"/>
           </a:p>
@@ -2932,7 +4553,7 @@
           <a:p>
             <a:fld id="{18845AC5-A3F8-44AA-BA8F-596CDCC976D3}" type="datetimeFigureOut">
               <a:rPr lang="en-US" dirty="0"/>
-              <a:t>12/10/2018</a:t>
+              <a:t>12/11/2018</a:t>
             </a:fld>
             <a:endParaRPr lang="en-US"/>
           </a:p>
@@ -4114,7 +5735,7 @@
           <a:p>
             <a:fld id="{C873B183-A821-4095-A363-9EC968635539}" type="datetimeFigureOut">
               <a:rPr lang="en-US" dirty="0"/>
-              <a:t>12/10/2018</a:t>
+              <a:t>12/11/2018</a:t>
             </a:fld>
             <a:endParaRPr lang="en-US"/>
           </a:p>
@@ -5187,7 +6808,7 @@
           <a:p>
             <a:fld id="{174D01B4-0AA5-45E6-B2E6-5FA4078AEBCF}" type="datetimeFigureOut">
               <a:rPr lang="en-US" dirty="0"/>
-              <a:t>12/10/2018</a:t>
+              <a:t>12/11/2018</a:t>
             </a:fld>
             <a:endParaRPr lang="en-US"/>
           </a:p>
@@ -5845,7 +7466,7 @@
           <a:p>
             <a:fld id="{4147335C-0450-40D7-8612-B3203BED4F28}" type="datetimeFigureOut">
               <a:rPr lang="en-US" dirty="0"/>
-              <a:t>12/10/2018</a:t>
+              <a:t>12/11/2018</a:t>
             </a:fld>
             <a:endParaRPr lang="en-US"/>
           </a:p>
@@ -6704,7 +8325,7 @@
           <a:p>
             <a:fld id="{D246A105-2A1C-4284-B4EA-07CF89B1A393}" type="datetimeFigureOut">
               <a:rPr lang="en-US" dirty="0"/>
-              <a:t>12/10/2018</a:t>
+              <a:t>12/11/2018</a:t>
             </a:fld>
             <a:endParaRPr lang="en-US"/>
           </a:p>
@@ -6891,7 +8512,7 @@
           <a:p>
             <a:fld id="{80DBE609-F3F2-45E6-BD6A-E03A8C86C1AE}" type="datetimeFigureOut">
               <a:rPr lang="en-US" dirty="0"/>
-              <a:t>12/10/2018</a:t>
+              <a:t>12/11/2018</a:t>
             </a:fld>
             <a:endParaRPr lang="en-US"/>
           </a:p>
@@ -7901,7 +9522,7 @@
           <a:p>
             <a:fld id="{7A24AD68-089C-4467-A8F3-EA2BBCA6B44E}" type="datetimeFigureOut">
               <a:rPr lang="en-US" dirty="0"/>
-              <a:t>12/10/2018</a:t>
+              <a:t>12/11/2018</a:t>
             </a:fld>
             <a:endParaRPr lang="en-US"/>
           </a:p>
@@ -8119,7 +9740,7 @@
           <a:p>
             <a:fld id="{75C51FCE-E4BB-4680-8E50-3C0E348D2609}" type="datetimeFigureOut">
               <a:rPr lang="en-US" dirty="0"/>
-              <a:t>12/10/2018</a:t>
+              <a:t>12/11/2018</a:t>
             </a:fld>
             <a:endParaRPr lang="en-US"/>
           </a:p>
@@ -9193,7 +10814,7 @@
           <a:p>
             <a:fld id="{8AAA073D-A903-47F8-8D16-77642FB0DF1F}" type="datetimeFigureOut">
               <a:rPr lang="en-US" dirty="0"/>
-              <a:t>12/10/2018</a:t>
+              <a:t>12/11/2018</a:t>
             </a:fld>
             <a:endParaRPr lang="en-US"/>
           </a:p>
@@ -9477,7 +11098,7 @@
           <a:p>
             <a:fld id="{AB91FA40-626B-4CA1-85D0-7A9016E395BA}" type="datetimeFigureOut">
               <a:rPr lang="en-US" dirty="0"/>
-              <a:t>12/10/2018</a:t>
+              <a:t>12/11/2018</a:t>
             </a:fld>
             <a:endParaRPr lang="en-US"/>
           </a:p>
@@ -9871,7 +11492,7 @@
           <a:p>
             <a:fld id="{C3F425EA-B9DC-48A7-991E-9A82573B1B21}" type="datetimeFigureOut">
               <a:rPr lang="en-US" dirty="0"/>
-              <a:t>12/10/2018</a:t>
+              <a:t>12/11/2018</a:t>
             </a:fld>
             <a:endParaRPr lang="en-US"/>
           </a:p>
@@ -10001,7 +11622,7 @@
           <a:p>
             <a:fld id="{66CB97F8-6CEB-469B-AFCC-889F2A2B1D5A}" type="datetimeFigureOut">
               <a:rPr lang="en-US" dirty="0"/>
-              <a:t>12/10/2018</a:t>
+              <a:t>12/11/2018</a:t>
             </a:fld>
             <a:endParaRPr lang="en-US"/>
           </a:p>
@@ -10108,7 +11729,7 @@
           <a:p>
             <a:fld id="{8FA9179F-009E-4FA5-B091-7EBB82A185BD}" type="datetimeFigureOut">
               <a:rPr lang="en-US" dirty="0"/>
-              <a:t>12/10/2018</a:t>
+              <a:t>12/11/2018</a:t>
             </a:fld>
             <a:endParaRPr lang="en-US"/>
           </a:p>
@@ -11229,7 +12850,7 @@
           <a:p>
             <a:fld id="{8E665CEB-0076-4E37-B880-BCEA9784DE0A}" type="datetimeFigureOut">
               <a:rPr lang="en-US" dirty="0"/>
-              <a:t>12/10/2018</a:t>
+              <a:t>12/11/2018</a:t>
             </a:fld>
             <a:endParaRPr lang="en-US"/>
           </a:p>
@@ -12374,7 +13995,7 @@
           <a:p>
             <a:fld id="{A6149E5E-3896-4118-99A7-7B85668F1C5E}" type="datetimeFigureOut">
               <a:rPr lang="en-US" dirty="0"/>
-              <a:t>12/10/2018</a:t>
+              <a:t>12/11/2018</a:t>
             </a:fld>
             <a:endParaRPr lang="en-US"/>
           </a:p>
@@ -13414,7 +15035,7 @@
           <a:p>
             <a:fld id="{7E0D914D-B099-4142-A885-11F276715148}" type="datetimeFigureOut">
               <a:rPr lang="en-US" dirty="0"/>
-              <a:t>12/10/2018</a:t>
+              <a:t>12/11/2018</a:t>
             </a:fld>
             <a:endParaRPr lang="en-US"/>
           </a:p>
@@ -14265,7 +15886,7 @@
           <p:cNvPr id="2" name="Titel 1">
             <a:extLst>
               <a:ext uri="{FF2B5EF4-FFF2-40B4-BE49-F238E27FC236}">
-                <a16:creationId xmlns:a16="http://schemas.microsoft.com/office/drawing/2014/main" id="{63945C62-452A-49CD-B8D3-15ED4C05545F}"/>
+                <a16:creationId xmlns:a16="http://schemas.microsoft.com/office/drawing/2014/main" id="{90656687-FE6B-460B-8BC0-CD98A1600BE4}"/>
               </a:ext>
             </a:extLst>
           </p:cNvPr>
@@ -14282,49 +15903,75 @@
           <a:lstStyle/>
           <a:p>
             <a:r>
-              <a:rPr lang="de-AT"/>
-              <a:t>Offene Aufgaben </a:t>
+              <a:rPr lang="de-AT" dirty="0"/>
+              <a:t>Stundenaufteilung</a:t>
             </a:r>
           </a:p>
         </p:txBody>
       </p:sp>
-      <p:sp>
-        <p:nvSpPr>
-          <p:cNvPr id="3" name="Inhaltsplatzhalter 2">
+      <p:graphicFrame>
+        <p:nvGraphicFramePr>
+          <p:cNvPr id="10" name="Inhaltsplatzhalter 9">
             <a:extLst>
               <a:ext uri="{FF2B5EF4-FFF2-40B4-BE49-F238E27FC236}">
-                <a16:creationId xmlns:a16="http://schemas.microsoft.com/office/drawing/2014/main" id="{F86479FD-F8EB-44AA-BA7A-2810B68F8E68}"/>
+                <a16:creationId xmlns:a16="http://schemas.microsoft.com/office/drawing/2014/main" id="{B2660D28-E7C3-46F1-8ED3-F58C1B406044}"/>
               </a:ext>
             </a:extLst>
           </p:cNvPr>
-          <p:cNvSpPr>
-            <a:spLocks noGrp="1"/>
-          </p:cNvSpPr>
+          <p:cNvGraphicFramePr>
+            <a:graphicFrameLocks noGrp="1"/>
+          </p:cNvGraphicFramePr>
           <p:nvPr>
             <p:ph idx="1"/>
+            <p:extLst>
+              <p:ext uri="{D42A27DB-BD31-4B8C-83A1-F6EECF244321}">
+                <p14:modId xmlns:p14="http://schemas.microsoft.com/office/powerpoint/2010/main" val="2284806721"/>
+              </p:ext>
+            </p:extLst>
           </p:nvPr>
-        </p:nvSpPr>
-        <p:spPr/>
-        <p:txBody>
-          <a:bodyPr vert="horz" lIns="91440" tIns="45720" rIns="91440" bIns="45720" rtlCol="0" anchor="t">
-            <a:normAutofit/>
-          </a:bodyPr>
-          <a:lstStyle/>
-          <a:p>
-            <a:r>
-              <a:rPr lang="de-AT"/>
-              <a:t>Schriftlicher Teil.</a:t>
-            </a:r>
-          </a:p>
-          <a:p>
-            <a:endParaRPr lang="de-AT"/>
-          </a:p>
-        </p:txBody>
-      </p:sp>
+        </p:nvGraphicFramePr>
+        <p:xfrm>
+          <a:off x="0" y="2476500"/>
+          <a:ext cx="4789714" cy="3643085"/>
+        </p:xfrm>
+        <a:graphic>
+          <a:graphicData uri="http://schemas.openxmlformats.org/drawingml/2006/chart">
+            <c:chart xmlns:c="http://schemas.openxmlformats.org/drawingml/2006/chart" xmlns:r="http://schemas.openxmlformats.org/officeDocument/2006/relationships" r:id="rId2"/>
+          </a:graphicData>
+        </a:graphic>
+      </p:graphicFrame>
+      <p:graphicFrame>
+        <p:nvGraphicFramePr>
+          <p:cNvPr id="15" name="Diagramm 14">
+            <a:extLst>
+              <a:ext uri="{FF2B5EF4-FFF2-40B4-BE49-F238E27FC236}">
+                <a16:creationId xmlns:a16="http://schemas.microsoft.com/office/drawing/2014/main" id="{59030427-9870-4F52-A302-59C5D7B7D6F3}"/>
+              </a:ext>
+            </a:extLst>
+          </p:cNvPr>
+          <p:cNvGraphicFramePr/>
+          <p:nvPr>
+            <p:extLst>
+              <p:ext uri="{D42A27DB-BD31-4B8C-83A1-F6EECF244321}">
+                <p14:modId xmlns:p14="http://schemas.microsoft.com/office/powerpoint/2010/main" val="3748942172"/>
+              </p:ext>
+            </p:extLst>
+          </p:nvPr>
+        </p:nvGraphicFramePr>
+        <p:xfrm>
+          <a:off x="6096000" y="2476500"/>
+          <a:ext cx="4620466" cy="3181047"/>
+        </p:xfrm>
+        <a:graphic>
+          <a:graphicData uri="http://schemas.openxmlformats.org/drawingml/2006/chart">
+            <c:chart xmlns:c="http://schemas.openxmlformats.org/drawingml/2006/chart" xmlns:r="http://schemas.openxmlformats.org/officeDocument/2006/relationships" r:id="rId3"/>
+          </a:graphicData>
+        </a:graphic>
+      </p:graphicFrame>
     </p:spTree>
     <p:extLst>
       <p:ext uri="{BB962C8B-B14F-4D97-AF65-F5344CB8AC3E}">
-        <p14:creationId xmlns:p14="http://schemas.microsoft.com/office/powerpoint/2010/main" val="2074177879"/>
+        <p14:creationId xmlns:p14="http://schemas.microsoft.com/office/powerpoint/2010/main" val="3144606573"/>
       </p:ext>
     </p:extLst>
   </p:cSld>
@@ -15192,10 +16839,10 @@
               </a:lnSpc>
             </a:pPr>
             <a:r>
-              <a:rPr lang="de-AT" sz="2000"/>
+              <a:rPr lang="de-AT" sz="2000" dirty="0"/>
               <a:t>Startseite ist mit Informationen überfüllt</a:t>
             </a:r>
-            <a:endParaRPr lang="de-DE"/>
+            <a:endParaRPr lang="de-DE" dirty="0"/>
           </a:p>
           <a:p>
             <a:pPr>
@@ -15204,8 +16851,19 @@
               </a:lnSpc>
             </a:pPr>
             <a:r>
-              <a:rPr lang="de-AT" sz="2000"/>
+              <a:rPr lang="de-AT" sz="2000" dirty="0"/>
               <a:t>"Tote Links" im Menü</a:t>
+            </a:r>
+          </a:p>
+          <a:p>
+            <a:pPr>
+              <a:lnSpc>
+                <a:spcPct val="200000"/>
+              </a:lnSpc>
+            </a:pPr>
+            <a:r>
+              <a:rPr lang="de-AT" sz="2000" dirty="0"/>
+              <a:t>Veralteter Inhalt</a:t>
             </a:r>
           </a:p>
           <a:p>
@@ -15215,23 +16873,12 @@
               </a:lnSpc>
             </a:pPr>
             <a:r>
-              <a:rPr lang="de-AT" sz="2000"/>
-              <a:t>Veralteter Inhalt</a:t>
-            </a:r>
-          </a:p>
-          <a:p>
-            <a:pPr>
-              <a:lnSpc>
-                <a:spcPct val="210000"/>
-              </a:lnSpc>
-            </a:pPr>
-            <a:r>
-              <a:rPr lang="de-AT" sz="2000"/>
+              <a:rPr lang="de-AT" sz="2000" dirty="0"/>
               <a:t>Nicht benutzerfreundlich</a:t>
             </a:r>
           </a:p>
           <a:p>
-            <a:endParaRPr lang="de-AT" sz="2000"/>
+            <a:endParaRPr lang="de-AT" sz="2000" dirty="0"/>
           </a:p>
         </p:txBody>
       </p:sp>
@@ -15437,7 +17084,7 @@
           <a:lstStyle/>
           <a:p>
             <a:r>
-              <a:rPr lang="de-DE"/>
+              <a:rPr lang="de-DE" dirty="0"/>
               <a:t>Realisierung neues Design</a:t>
             </a:r>
           </a:p>
@@ -15468,7 +17115,7 @@
         </p:spPr>
         <p:txBody>
           <a:bodyPr vert="horz" lIns="91440" tIns="45720" rIns="91440" bIns="45720" rtlCol="0" anchor="t">
-            <a:normAutofit/>
+            <a:normAutofit lnSpcReduction="10000"/>
           </a:bodyPr>
           <a:lstStyle>
             <a:lvl1pPr marL="342900" indent="-342900" algn="l" defTabSz="457200" rtl="0" eaLnBrk="1" latinLnBrk="0" hangingPunct="1">
@@ -15699,65 +17346,65 @@
           </a:lstStyle>
           <a:p>
             <a:r>
-              <a:rPr lang="de-DE"/>
+              <a:rPr lang="de-DE" sz="2000" dirty="0"/>
               <a:t>Vorteile des CSS Präprozessors SASS </a:t>
             </a:r>
           </a:p>
           <a:p>
             <a:pPr lvl="1"/>
             <a:r>
-              <a:rPr lang="de-DE"/>
+              <a:rPr lang="de-DE" sz="1800" dirty="0"/>
               <a:t>Variablen, Schleifen, Bedingungen, …</a:t>
             </a:r>
           </a:p>
           <a:p>
             <a:pPr lvl="1"/>
             <a:r>
-              <a:rPr lang="de-DE"/>
+              <a:rPr lang="de-DE" sz="1800" dirty="0"/>
               <a:t>Verschachtelungen</a:t>
             </a:r>
           </a:p>
           <a:p>
             <a:pPr lvl="1"/>
             <a:r>
-              <a:rPr lang="de-DE"/>
+              <a:rPr lang="de-DE" sz="1800" dirty="0"/>
               <a:t>Schnelleres erstellen von Designs</a:t>
             </a:r>
           </a:p>
           <a:p>
             <a:pPr lvl="1"/>
-            <a:endParaRPr lang="de-DE"/>
+            <a:endParaRPr lang="de-DE" sz="1800" dirty="0"/>
           </a:p>
           <a:p>
             <a:r>
-              <a:rPr lang="de-DE"/>
+              <a:rPr lang="de-DE" sz="2000" dirty="0"/>
               <a:t>Vorteile von CSS –Grid</a:t>
             </a:r>
           </a:p>
           <a:p>
             <a:pPr lvl="1"/>
             <a:r>
-              <a:rPr lang="de-DE"/>
+              <a:rPr lang="de-DE" sz="1800" dirty="0"/>
               <a:t>Übersichtlicherer Quelltext</a:t>
             </a:r>
           </a:p>
           <a:p>
             <a:pPr lvl="1"/>
             <a:r>
-              <a:rPr lang="de-DE"/>
-              <a:t>Einfache anpassung an Gerätegröße</a:t>
+              <a:rPr lang="de-DE" sz="1800" dirty="0"/>
+              <a:t>Einfache Anpassung an Gerätegröße</a:t>
             </a:r>
           </a:p>
           <a:p>
             <a:pPr lvl="1"/>
             <a:r>
-              <a:rPr lang="de-DE"/>
-              <a:t>Shnelles erstellen von Layouts</a:t>
+              <a:rPr lang="de-DE" sz="1800" dirty="0"/>
+              <a:t>Schnelles erstellen von Layouts</a:t>
             </a:r>
           </a:p>
           <a:p>
             <a:pPr lvl="1"/>
-            <a:endParaRPr lang="de-DE"/>
+            <a:endParaRPr lang="de-DE" dirty="0"/>
           </a:p>
         </p:txBody>
       </p:sp>
@@ -15881,15 +17528,21 @@
             <p:ph type="title"/>
           </p:nvPr>
         </p:nvSpPr>
-        <p:spPr/>
+        <p:spPr>
+          <a:xfrm>
+            <a:off x="1154953" y="973668"/>
+            <a:ext cx="8761413" cy="706964"/>
+          </a:xfrm>
+        </p:spPr>
         <p:txBody>
           <a:bodyPr/>
           <a:lstStyle/>
           <a:p>
             <a:r>
               <a:rPr lang="de-DE"/>
-              <a:t>Realisierung Datenhandling</a:t>
+              <a:t>Realisierung Datenhandhabung</a:t>
             </a:r>
+            <a:endParaRPr lang="de-DE" dirty="0"/>
           </a:p>
         </p:txBody>
       </p:sp>
@@ -15909,58 +17562,97 @@
             <p:ph idx="1"/>
           </p:nvPr>
         </p:nvSpPr>
-        <p:spPr/>
+        <p:spPr>
+          <a:xfrm>
+            <a:off x="7157548" y="2618248"/>
+            <a:ext cx="4331445" cy="3614420"/>
+          </a:xfrm>
+        </p:spPr>
         <p:txBody>
           <a:bodyPr vert="horz" lIns="91440" tIns="45720" rIns="91440" bIns="45720" rtlCol="0" anchor="t">
-            <a:normAutofit/>
+            <a:normAutofit lnSpcReduction="10000"/>
           </a:bodyPr>
           <a:lstStyle/>
           <a:p>
             <a:r>
-              <a:rPr lang="de-DE"/>
+              <a:rPr lang="de-DE" sz="2000" dirty="0"/>
               <a:t>Anforderungen:</a:t>
             </a:r>
-            <a:endParaRPr lang="en-US"/>
+            <a:endParaRPr lang="en-US" sz="2000" dirty="0"/>
           </a:p>
           <a:p>
             <a:pPr lvl="1"/>
             <a:r>
-              <a:rPr lang="de-DE"/>
+              <a:rPr lang="de-DE" sz="1800" dirty="0"/>
               <a:t>Einfaches Hinzufügen von Daten</a:t>
             </a:r>
           </a:p>
           <a:p>
             <a:pPr lvl="1"/>
             <a:r>
-              <a:rPr lang="de-DE"/>
-              <a:t>Änderungsmöglichkeiten sollten eingerichtet werden</a:t>
+              <a:rPr lang="de-DE" sz="1800" dirty="0"/>
+              <a:t>Änderungsmöglichkeiten sollen eingerichtet werden</a:t>
             </a:r>
           </a:p>
           <a:p>
+            <a:pPr lvl="1"/>
+            <a:r>
+              <a:rPr lang="de-DE" sz="1800" dirty="0"/>
+              <a:t>Login für die Seitenverwaltung</a:t>
+            </a:r>
+          </a:p>
+          <a:p>
             <a:pPr marL="457200" lvl="1" indent="0">
               <a:buNone/>
             </a:pPr>
-            <a:br>
-              <a:rPr lang="de-DE"/>
-            </a:br>
-            <a:endParaRPr lang="de-DE"/>
+            <a:endParaRPr lang="de-DE" sz="1800" dirty="0"/>
           </a:p>
           <a:p>
             <a:r>
-              <a:rPr lang="de-DE"/>
+              <a:rPr lang="de-DE" sz="2000" dirty="0"/>
               <a:t>Vorgaben:</a:t>
             </a:r>
-            <a:endParaRPr lang="en-US"/>
+            <a:endParaRPr lang="en-US" sz="2000" dirty="0"/>
           </a:p>
           <a:p>
             <a:pPr lvl="1"/>
             <a:r>
-              <a:rPr lang="de-DE"/>
+              <a:rPr lang="de-DE" sz="1800" dirty="0"/>
               <a:t>Nur befugte User sollen Artikel bearbeiten können</a:t>
             </a:r>
           </a:p>
         </p:txBody>
       </p:sp>
+      <p:pic>
+        <p:nvPicPr>
+          <p:cNvPr id="5" name="Grafik 4">
+            <a:extLst>
+              <a:ext uri="{FF2B5EF4-FFF2-40B4-BE49-F238E27FC236}">
+                <a16:creationId xmlns:a16="http://schemas.microsoft.com/office/drawing/2014/main" id="{7D5FB4CD-BAC0-49CC-8194-4C160F2C3B10}"/>
+              </a:ext>
+            </a:extLst>
+          </p:cNvPr>
+          <p:cNvPicPr>
+            <a:picLocks noChangeAspect="1"/>
+          </p:cNvPicPr>
+          <p:nvPr/>
+        </p:nvPicPr>
+        <p:blipFill>
+          <a:blip r:embed="rId2"/>
+          <a:stretch>
+            <a:fillRect/>
+          </a:stretch>
+        </p:blipFill>
+        <p:spPr>
+          <a:xfrm>
+            <a:off x="1154953" y="2312373"/>
+            <a:ext cx="5261149" cy="4226169"/>
+          </a:xfrm>
+          <a:prstGeom prst="rect">
+            <a:avLst/>
+          </a:prstGeom>
+        </p:spPr>
+      </p:pic>
     </p:spTree>
     <p:extLst>
       <p:ext uri="{BB962C8B-B14F-4D97-AF65-F5344CB8AC3E}">
@@ -16320,31 +18012,40 @@
             </a:lvl9pPr>
           </a:lstStyle>
           <a:p>
+            <a:pPr>
+              <a:lnSpc>
+                <a:spcPct val="160000"/>
+              </a:lnSpc>
+            </a:pPr>
             <a:r>
-              <a:rPr lang="de-AT" sz="2000"/>
+              <a:rPr lang="de-AT" sz="2000" dirty="0"/>
               <a:t>Neues Design </a:t>
             </a:r>
           </a:p>
           <a:p>
+            <a:pPr>
+              <a:lnSpc>
+                <a:spcPct val="160000"/>
+              </a:lnSpc>
+            </a:pPr>
             <a:r>
-              <a:rPr lang="de-AT" sz="2000"/>
+              <a:rPr lang="de-AT" sz="2000" dirty="0"/>
               <a:t>Gliederung der Informationen auf der Startseite</a:t>
             </a:r>
           </a:p>
           <a:p>
+            <a:pPr>
+              <a:lnSpc>
+                <a:spcPct val="160000"/>
+              </a:lnSpc>
+            </a:pPr>
             <a:r>
-              <a:rPr lang="de-AT" sz="2000"/>
-              <a:t>Drop-Down Menüs lt. Vereinbarung erstellt</a:t>
+              <a:rPr lang="de-AT" sz="2000" dirty="0"/>
+              <a:t>Vereinfachtes Verwalten der Seiten und deren Inhalte</a:t>
             </a:r>
           </a:p>
           <a:p>
-            <a:endParaRPr lang="de-AT" sz="2000"/>
-          </a:p>
-          <a:p>
-            <a:r>
-              <a:rPr lang="de-AT" sz="2000"/>
-              <a:t>(größten Optimierungen angeben)</a:t>
-            </a:r>
+            <a:endParaRPr lang="de-AT" sz="2000" dirty="0"/>
           </a:p>
         </p:txBody>
       </p:sp>
@@ -16395,7 +18096,7 @@
           <p:cNvPr id="2" name="Titel 1">
             <a:extLst>
               <a:ext uri="{FF2B5EF4-FFF2-40B4-BE49-F238E27FC236}">
-                <a16:creationId xmlns:a16="http://schemas.microsoft.com/office/drawing/2014/main" id="{90656687-FE6B-460B-8BC0-CD98A1600BE4}"/>
+                <a16:creationId xmlns:a16="http://schemas.microsoft.com/office/drawing/2014/main" id="{63945C62-452A-49CD-B8D3-15ED4C05545F}"/>
               </a:ext>
             </a:extLst>
           </p:cNvPr>
@@ -16413,17 +18114,17 @@
           <a:p>
             <a:r>
               <a:rPr lang="de-AT"/>
-              <a:t>Verwirklichung</a:t>
+              <a:t>Offene Aufgaben </a:t>
             </a:r>
           </a:p>
         </p:txBody>
       </p:sp>
       <p:sp>
         <p:nvSpPr>
-          <p:cNvPr id="7" name="Inhaltsplatzhalter 6">
+          <p:cNvPr id="3" name="Inhaltsplatzhalter 2">
             <a:extLst>
               <a:ext uri="{FF2B5EF4-FFF2-40B4-BE49-F238E27FC236}">
-                <a16:creationId xmlns:a16="http://schemas.microsoft.com/office/drawing/2014/main" id="{24348080-D049-4886-8CC0-03C2F036BAFA}"/>
+                <a16:creationId xmlns:a16="http://schemas.microsoft.com/office/drawing/2014/main" id="{F86479FD-F8EB-44AA-BA7A-2810B68F8E68}"/>
               </a:ext>
             </a:extLst>
           </p:cNvPr>
@@ -16436,17 +18137,28 @@
         </p:nvSpPr>
         <p:spPr/>
         <p:txBody>
-          <a:bodyPr/>
+          <a:bodyPr vert="horz" lIns="91440" tIns="45720" rIns="91440" bIns="45720" rtlCol="0" anchor="t">
+            <a:normAutofit/>
+          </a:bodyPr>
           <a:lstStyle/>
           <a:p>
-            <a:endParaRPr lang="de-DE"/>
+            <a:r>
+              <a:rPr lang="de-AT" dirty="0"/>
+              <a:t>Schriftliche Dokumentation</a:t>
+            </a:r>
+          </a:p>
+          <a:p>
+            <a:r>
+              <a:rPr lang="de-AT" dirty="0"/>
+              <a:t>Import- und Export Funktion des internen Kalenders</a:t>
+            </a:r>
           </a:p>
         </p:txBody>
       </p:sp>
     </p:spTree>
     <p:extLst>
       <p:ext uri="{BB962C8B-B14F-4D97-AF65-F5344CB8AC3E}">
-        <p14:creationId xmlns:p14="http://schemas.microsoft.com/office/powerpoint/2010/main" val="3144606573"/>
+        <p14:creationId xmlns:p14="http://schemas.microsoft.com/office/powerpoint/2010/main" val="2074177879"/>
       </p:ext>
     </p:extLst>
   </p:cSld>
